--- a/Uke 5/Problemløsning/ProblemløsningOppgaver.pptx
+++ b/Uke 5/Problemløsning/ProblemløsningOppgaver.pptx
@@ -4,14 +4,18 @@
   <p:sldMasterIdLst>
     <p:sldMasterId id="2147483648" r:id="rId1"/>
   </p:sldMasterIdLst>
+  <p:notesMasterIdLst>
+    <p:notesMasterId r:id="rId10"/>
+  </p:notesMasterIdLst>
   <p:sldIdLst>
     <p:sldId id="256" r:id="rId2"/>
     <p:sldId id="257" r:id="rId3"/>
-    <p:sldId id="258" r:id="rId4"/>
-    <p:sldId id="259" r:id="rId5"/>
-    <p:sldId id="260" r:id="rId6"/>
-    <p:sldId id="261" r:id="rId7"/>
-    <p:sldId id="262" r:id="rId8"/>
+    <p:sldId id="264" r:id="rId4"/>
+    <p:sldId id="258" r:id="rId5"/>
+    <p:sldId id="259" r:id="rId6"/>
+    <p:sldId id="260" r:id="rId7"/>
+    <p:sldId id="261" r:id="rId8"/>
+    <p:sldId id="262" r:id="rId9"/>
   </p:sldIdLst>
   <p:sldSz cx="12192000" cy="6858000"/>
   <p:notesSz cx="6858000" cy="9144000"/>
@@ -110,7 +114,530 @@
       </a:defRPr>
     </a:lvl9pPr>
   </p:defaultTextStyle>
+  <p:extLst>
+    <p:ext uri="{EFAFB233-063F-42B5-8137-9DF3F51BA10A}">
+      <p15:sldGuideLst xmlns:p15="http://schemas.microsoft.com/office/powerpoint/2012/main"/>
+    </p:ext>
+  </p:extLst>
 </p:presentation>
+</file>
+
+<file path=ppt/revisionInfo.xml><?xml version="1.0" encoding="utf-8"?>
+<p1510:revInfo xmlns:a="http://schemas.openxmlformats.org/drawingml/2006/main" xmlns:r="http://schemas.openxmlformats.org/officeDocument/2006/relationships" xmlns:p1510="http://schemas.microsoft.com/office/powerpoint/2015/10/main">
+  <p1510:revLst>
+    <p1510:client id="{A7202AAA-587D-8F45-B78E-997311A26A84}" v="1" dt="2024-09-23T13:08:05.650"/>
+  </p1510:revLst>
+</p1510:revInfo>
+</file>
+
+<file path=ppt/changesInfos/changesInfo1.xml><?xml version="1.0" encoding="utf-8"?>
+<pc:chgInfo xmlns:a="http://schemas.openxmlformats.org/drawingml/2006/main" xmlns:r="http://schemas.openxmlformats.org/officeDocument/2006/relationships" xmlns:ac="http://schemas.microsoft.com/office/drawing/2013/main/command" xmlns:pc="http://schemas.microsoft.com/office/powerpoint/2013/main/command">
+  <pc:docChgLst>
+    <pc:chgData name="Lennard Rolstad Denby" userId="32b70bad-f9a6-4436-bae9-a88e91ea250f" providerId="ADAL" clId="{A7202AAA-587D-8F45-B78E-997311A26A84}"/>
+    <pc:docChg chg="addSld delSld modSld sldOrd">
+      <pc:chgData name="Lennard Rolstad Denby" userId="32b70bad-f9a6-4436-bae9-a88e91ea250f" providerId="ADAL" clId="{A7202AAA-587D-8F45-B78E-997311A26A84}" dt="2024-09-23T13:08:11.907" v="4" actId="20578"/>
+      <pc:docMkLst>
+        <pc:docMk/>
+      </pc:docMkLst>
+      <pc:sldChg chg="new del">
+        <pc:chgData name="Lennard Rolstad Denby" userId="32b70bad-f9a6-4436-bae9-a88e91ea250f" providerId="ADAL" clId="{A7202AAA-587D-8F45-B78E-997311A26A84}" dt="2024-09-23T13:08:09.087" v="3" actId="2696"/>
+        <pc:sldMkLst>
+          <pc:docMk/>
+          <pc:sldMk cId="1835369315" sldId="263"/>
+        </pc:sldMkLst>
+      </pc:sldChg>
+      <pc:sldChg chg="delSp add ord setBg delDesignElem">
+        <pc:chgData name="Lennard Rolstad Denby" userId="32b70bad-f9a6-4436-bae9-a88e91ea250f" providerId="ADAL" clId="{A7202AAA-587D-8F45-B78E-997311A26A84}" dt="2024-09-23T13:08:11.907" v="4" actId="20578"/>
+        <pc:sldMkLst>
+          <pc:docMk/>
+          <pc:sldMk cId="2977141500" sldId="264"/>
+        </pc:sldMkLst>
+        <pc:spChg chg="del">
+          <ac:chgData name="Lennard Rolstad Denby" userId="32b70bad-f9a6-4436-bae9-a88e91ea250f" providerId="ADAL" clId="{A7202AAA-587D-8F45-B78E-997311A26A84}" dt="2024-09-23T13:08:05.646" v="2"/>
+          <ac:spMkLst>
+            <pc:docMk/>
+            <pc:sldMk cId="2977141500" sldId="264"/>
+            <ac:spMk id="1057" creationId="{34DD805B-2A7B-4ADA-9C4D-E0C9F192DBB3}"/>
+          </ac:spMkLst>
+        </pc:spChg>
+        <pc:spChg chg="del">
+          <ac:chgData name="Lennard Rolstad Denby" userId="32b70bad-f9a6-4436-bae9-a88e91ea250f" providerId="ADAL" clId="{A7202AAA-587D-8F45-B78E-997311A26A84}" dt="2024-09-23T13:08:05.646" v="2"/>
+          <ac:spMkLst>
+            <pc:docMk/>
+            <pc:sldMk cId="2977141500" sldId="264"/>
+            <ac:spMk id="1085" creationId="{9BF6EDB4-B4ED-4900-9E38-A7AE0EEEEA1F}"/>
+          </ac:spMkLst>
+        </pc:spChg>
+        <pc:grpChg chg="del">
+          <ac:chgData name="Lennard Rolstad Denby" userId="32b70bad-f9a6-4436-bae9-a88e91ea250f" providerId="ADAL" clId="{A7202AAA-587D-8F45-B78E-997311A26A84}" dt="2024-09-23T13:08:05.646" v="2"/>
+          <ac:grpSpMkLst>
+            <pc:docMk/>
+            <pc:sldMk cId="2977141500" sldId="264"/>
+            <ac:grpSpMk id="1031" creationId="{17C4610E-9C18-467B-BF10-BE6A974CC364}"/>
+          </ac:grpSpMkLst>
+        </pc:grpChg>
+        <pc:grpChg chg="del">
+          <ac:chgData name="Lennard Rolstad Denby" userId="32b70bad-f9a6-4436-bae9-a88e91ea250f" providerId="ADAL" clId="{A7202AAA-587D-8F45-B78E-997311A26A84}" dt="2024-09-23T13:08:05.646" v="2"/>
+          <ac:grpSpMkLst>
+            <pc:docMk/>
+            <pc:sldMk cId="2977141500" sldId="264"/>
+            <ac:grpSpMk id="1052" creationId="{A899734C-500F-4274-9854-8BFA14A1D7EE}"/>
+          </ac:grpSpMkLst>
+        </pc:grpChg>
+        <pc:grpChg chg="del">
+          <ac:chgData name="Lennard Rolstad Denby" userId="32b70bad-f9a6-4436-bae9-a88e91ea250f" providerId="ADAL" clId="{A7202AAA-587D-8F45-B78E-997311A26A84}" dt="2024-09-23T13:08:05.646" v="2"/>
+          <ac:grpSpMkLst>
+            <pc:docMk/>
+            <pc:sldMk cId="2977141500" sldId="264"/>
+            <ac:grpSpMk id="1059" creationId="{C664A566-6D08-4E84-9708-4916A20016FF}"/>
+          </ac:grpSpMkLst>
+        </pc:grpChg>
+        <pc:grpChg chg="del">
+          <ac:chgData name="Lennard Rolstad Denby" userId="32b70bad-f9a6-4436-bae9-a88e91ea250f" providerId="ADAL" clId="{A7202AAA-587D-8F45-B78E-997311A26A84}" dt="2024-09-23T13:08:05.646" v="2"/>
+          <ac:grpSpMkLst>
+            <pc:docMk/>
+            <pc:sldMk cId="2977141500" sldId="264"/>
+            <ac:grpSpMk id="1080" creationId="{B83678BA-0A50-4D51-9E9E-08BB66F83C37}"/>
+          </ac:grpSpMkLst>
+        </pc:grpChg>
+      </pc:sldChg>
+    </pc:docChg>
+  </pc:docChgLst>
+</pc:chgInfo>
+</file>
+
+<file path=ppt/notesMasters/notesMaster1.xml><?xml version="1.0" encoding="utf-8"?>
+<p:notesMaster xmlns:a="http://schemas.openxmlformats.org/drawingml/2006/main" xmlns:r="http://schemas.openxmlformats.org/officeDocument/2006/relationships" xmlns:p="http://schemas.openxmlformats.org/presentationml/2006/main">
+  <p:cSld>
+    <p:bg>
+      <p:bgRef idx="1001">
+        <a:schemeClr val="bg1"/>
+      </p:bgRef>
+    </p:bg>
+    <p:spTree>
+      <p:nvGrpSpPr>
+        <p:cNvPr id="1" name=""/>
+        <p:cNvGrpSpPr/>
+        <p:nvPr/>
+      </p:nvGrpSpPr>
+      <p:grpSpPr>
+        <a:xfrm>
+          <a:off x="0" y="0"/>
+          <a:ext cx="0" cy="0"/>
+          <a:chOff x="0" y="0"/>
+          <a:chExt cx="0" cy="0"/>
+        </a:xfrm>
+      </p:grpSpPr>
+      <p:sp>
+        <p:nvSpPr>
+          <p:cNvPr id="2" name="Header Placeholder 1"/>
+          <p:cNvSpPr>
+            <a:spLocks noGrp="1"/>
+          </p:cNvSpPr>
+          <p:nvPr>
+            <p:ph type="hdr" sz="quarter"/>
+          </p:nvPr>
+        </p:nvSpPr>
+        <p:spPr>
+          <a:xfrm>
+            <a:off x="0" y="0"/>
+            <a:ext cx="2971800" cy="458788"/>
+          </a:xfrm>
+          <a:prstGeom prst="rect">
+            <a:avLst/>
+          </a:prstGeom>
+        </p:spPr>
+        <p:txBody>
+          <a:bodyPr vert="horz" lIns="91440" tIns="45720" rIns="91440" bIns="45720" rtlCol="0"/>
+          <a:lstStyle>
+            <a:lvl1pPr algn="l">
+              <a:defRPr sz="1200"/>
+            </a:lvl1pPr>
+          </a:lstStyle>
+          <a:p>
+            <a:endParaRPr lang="en-NO"/>
+          </a:p>
+        </p:txBody>
+      </p:sp>
+      <p:sp>
+        <p:nvSpPr>
+          <p:cNvPr id="3" name="Date Placeholder 2"/>
+          <p:cNvSpPr>
+            <a:spLocks noGrp="1"/>
+          </p:cNvSpPr>
+          <p:nvPr>
+            <p:ph type="dt" idx="1"/>
+          </p:nvPr>
+        </p:nvSpPr>
+        <p:spPr>
+          <a:xfrm>
+            <a:off x="3884613" y="0"/>
+            <a:ext cx="2971800" cy="458788"/>
+          </a:xfrm>
+          <a:prstGeom prst="rect">
+            <a:avLst/>
+          </a:prstGeom>
+        </p:spPr>
+        <p:txBody>
+          <a:bodyPr vert="horz" lIns="91440" tIns="45720" rIns="91440" bIns="45720" rtlCol="0"/>
+          <a:lstStyle>
+            <a:lvl1pPr algn="r">
+              <a:defRPr sz="1200"/>
+            </a:lvl1pPr>
+          </a:lstStyle>
+          <a:p>
+            <a:fld id="{632488CD-7386-724A-BF67-86B33739B8E5}" type="datetimeFigureOut">
+              <a:rPr lang="en-NO" smtClean="0"/>
+              <a:t>23/09/2024</a:t>
+            </a:fld>
+            <a:endParaRPr lang="en-NO"/>
+          </a:p>
+        </p:txBody>
+      </p:sp>
+      <p:sp>
+        <p:nvSpPr>
+          <p:cNvPr id="4" name="Slide Image Placeholder 3"/>
+          <p:cNvSpPr>
+            <a:spLocks noGrp="1" noRot="1" noChangeAspect="1"/>
+          </p:cNvSpPr>
+          <p:nvPr>
+            <p:ph type="sldImg" idx="2"/>
+          </p:nvPr>
+        </p:nvSpPr>
+        <p:spPr>
+          <a:xfrm>
+            <a:off x="685800" y="1143000"/>
+            <a:ext cx="5486400" cy="3086100"/>
+          </a:xfrm>
+          <a:prstGeom prst="rect">
+            <a:avLst/>
+          </a:prstGeom>
+          <a:noFill/>
+          <a:ln w="12700">
+            <a:solidFill>
+              <a:prstClr val="black"/>
+            </a:solidFill>
+          </a:ln>
+        </p:spPr>
+        <p:txBody>
+          <a:bodyPr vert="horz" lIns="91440" tIns="45720" rIns="91440" bIns="45720" rtlCol="0" anchor="ctr"/>
+          <a:lstStyle/>
+          <a:p>
+            <a:endParaRPr lang="en-NO"/>
+          </a:p>
+        </p:txBody>
+      </p:sp>
+      <p:sp>
+        <p:nvSpPr>
+          <p:cNvPr id="5" name="Notes Placeholder 4"/>
+          <p:cNvSpPr>
+            <a:spLocks noGrp="1"/>
+          </p:cNvSpPr>
+          <p:nvPr>
+            <p:ph type="body" sz="quarter" idx="3"/>
+          </p:nvPr>
+        </p:nvSpPr>
+        <p:spPr>
+          <a:xfrm>
+            <a:off x="685800" y="4400550"/>
+            <a:ext cx="5486400" cy="3600450"/>
+          </a:xfrm>
+          <a:prstGeom prst="rect">
+            <a:avLst/>
+          </a:prstGeom>
+        </p:spPr>
+        <p:txBody>
+          <a:bodyPr vert="horz" lIns="91440" tIns="45720" rIns="91440" bIns="45720" rtlCol="0"/>
+          <a:lstStyle/>
+          <a:p>
+            <a:pPr lvl="0"/>
+            <a:r>
+              <a:rPr lang="en-GB"/>
+              <a:t>Click to edit Master text styles</a:t>
+            </a:r>
+          </a:p>
+          <a:p>
+            <a:pPr lvl="1"/>
+            <a:r>
+              <a:rPr lang="en-GB"/>
+              <a:t>Second level</a:t>
+            </a:r>
+          </a:p>
+          <a:p>
+            <a:pPr lvl="2"/>
+            <a:r>
+              <a:rPr lang="en-GB"/>
+              <a:t>Third level</a:t>
+            </a:r>
+          </a:p>
+          <a:p>
+            <a:pPr lvl="3"/>
+            <a:r>
+              <a:rPr lang="en-GB"/>
+              <a:t>Fourth level</a:t>
+            </a:r>
+          </a:p>
+          <a:p>
+            <a:pPr lvl="4"/>
+            <a:r>
+              <a:rPr lang="en-GB"/>
+              <a:t>Fifth level</a:t>
+            </a:r>
+            <a:endParaRPr lang="en-NO"/>
+          </a:p>
+        </p:txBody>
+      </p:sp>
+      <p:sp>
+        <p:nvSpPr>
+          <p:cNvPr id="6" name="Footer Placeholder 5"/>
+          <p:cNvSpPr>
+            <a:spLocks noGrp="1"/>
+          </p:cNvSpPr>
+          <p:nvPr>
+            <p:ph type="ftr" sz="quarter" idx="4"/>
+          </p:nvPr>
+        </p:nvSpPr>
+        <p:spPr>
+          <a:xfrm>
+            <a:off x="0" y="8685213"/>
+            <a:ext cx="2971800" cy="458787"/>
+          </a:xfrm>
+          <a:prstGeom prst="rect">
+            <a:avLst/>
+          </a:prstGeom>
+        </p:spPr>
+        <p:txBody>
+          <a:bodyPr vert="horz" lIns="91440" tIns="45720" rIns="91440" bIns="45720" rtlCol="0" anchor="b"/>
+          <a:lstStyle>
+            <a:lvl1pPr algn="l">
+              <a:defRPr sz="1200"/>
+            </a:lvl1pPr>
+          </a:lstStyle>
+          <a:p>
+            <a:endParaRPr lang="en-NO"/>
+          </a:p>
+        </p:txBody>
+      </p:sp>
+      <p:sp>
+        <p:nvSpPr>
+          <p:cNvPr id="7" name="Slide Number Placeholder 6"/>
+          <p:cNvSpPr>
+            <a:spLocks noGrp="1"/>
+          </p:cNvSpPr>
+          <p:nvPr>
+            <p:ph type="sldNum" sz="quarter" idx="5"/>
+          </p:nvPr>
+        </p:nvSpPr>
+        <p:spPr>
+          <a:xfrm>
+            <a:off x="3884613" y="8685213"/>
+            <a:ext cx="2971800" cy="458787"/>
+          </a:xfrm>
+          <a:prstGeom prst="rect">
+            <a:avLst/>
+          </a:prstGeom>
+        </p:spPr>
+        <p:txBody>
+          <a:bodyPr vert="horz" lIns="91440" tIns="45720" rIns="91440" bIns="45720" rtlCol="0" anchor="b"/>
+          <a:lstStyle>
+            <a:lvl1pPr algn="r">
+              <a:defRPr sz="1200"/>
+            </a:lvl1pPr>
+          </a:lstStyle>
+          <a:p>
+            <a:fld id="{315B0F89-2F84-D847-8B8C-B9AFB273FEEF}" type="slidenum">
+              <a:rPr lang="en-NO" smtClean="0"/>
+              <a:t>‹#›</a:t>
+            </a:fld>
+            <a:endParaRPr lang="en-NO"/>
+          </a:p>
+        </p:txBody>
+      </p:sp>
+    </p:spTree>
+    <p:extLst>
+      <p:ext uri="{BB962C8B-B14F-4D97-AF65-F5344CB8AC3E}">
+        <p14:creationId xmlns:p14="http://schemas.microsoft.com/office/powerpoint/2010/main" val="196862548"/>
+      </p:ext>
+    </p:extLst>
+  </p:cSld>
+  <p:clrMap bg1="lt1" tx1="dk1" bg2="lt2" tx2="dk2" accent1="accent1" accent2="accent2" accent3="accent3" accent4="accent4" accent5="accent5" accent6="accent6" hlink="hlink" folHlink="folHlink"/>
+  <p:notesStyle>
+    <a:lvl1pPr marL="0" algn="l" defTabSz="914400" rtl="0" eaLnBrk="1" latinLnBrk="0" hangingPunct="1">
+      <a:defRPr sz="1200" kern="1200">
+        <a:solidFill>
+          <a:schemeClr val="tx1"/>
+        </a:solidFill>
+        <a:latin typeface="+mn-lt"/>
+        <a:ea typeface="+mn-ea"/>
+        <a:cs typeface="+mn-cs"/>
+      </a:defRPr>
+    </a:lvl1pPr>
+    <a:lvl2pPr marL="457200" algn="l" defTabSz="914400" rtl="0" eaLnBrk="1" latinLnBrk="0" hangingPunct="1">
+      <a:defRPr sz="1200" kern="1200">
+        <a:solidFill>
+          <a:schemeClr val="tx1"/>
+        </a:solidFill>
+        <a:latin typeface="+mn-lt"/>
+        <a:ea typeface="+mn-ea"/>
+        <a:cs typeface="+mn-cs"/>
+      </a:defRPr>
+    </a:lvl2pPr>
+    <a:lvl3pPr marL="914400" algn="l" defTabSz="914400" rtl="0" eaLnBrk="1" latinLnBrk="0" hangingPunct="1">
+      <a:defRPr sz="1200" kern="1200">
+        <a:solidFill>
+          <a:schemeClr val="tx1"/>
+        </a:solidFill>
+        <a:latin typeface="+mn-lt"/>
+        <a:ea typeface="+mn-ea"/>
+        <a:cs typeface="+mn-cs"/>
+      </a:defRPr>
+    </a:lvl3pPr>
+    <a:lvl4pPr marL="1371600" algn="l" defTabSz="914400" rtl="0" eaLnBrk="1" latinLnBrk="0" hangingPunct="1">
+      <a:defRPr sz="1200" kern="1200">
+        <a:solidFill>
+          <a:schemeClr val="tx1"/>
+        </a:solidFill>
+        <a:latin typeface="+mn-lt"/>
+        <a:ea typeface="+mn-ea"/>
+        <a:cs typeface="+mn-cs"/>
+      </a:defRPr>
+    </a:lvl4pPr>
+    <a:lvl5pPr marL="1828800" algn="l" defTabSz="914400" rtl="0" eaLnBrk="1" latinLnBrk="0" hangingPunct="1">
+      <a:defRPr sz="1200" kern="1200">
+        <a:solidFill>
+          <a:schemeClr val="tx1"/>
+        </a:solidFill>
+        <a:latin typeface="+mn-lt"/>
+        <a:ea typeface="+mn-ea"/>
+        <a:cs typeface="+mn-cs"/>
+      </a:defRPr>
+    </a:lvl5pPr>
+    <a:lvl6pPr marL="2286000" algn="l" defTabSz="914400" rtl="0" eaLnBrk="1" latinLnBrk="0" hangingPunct="1">
+      <a:defRPr sz="1200" kern="1200">
+        <a:solidFill>
+          <a:schemeClr val="tx1"/>
+        </a:solidFill>
+        <a:latin typeface="+mn-lt"/>
+        <a:ea typeface="+mn-ea"/>
+        <a:cs typeface="+mn-cs"/>
+      </a:defRPr>
+    </a:lvl6pPr>
+    <a:lvl7pPr marL="2743200" algn="l" defTabSz="914400" rtl="0" eaLnBrk="1" latinLnBrk="0" hangingPunct="1">
+      <a:defRPr sz="1200" kern="1200">
+        <a:solidFill>
+          <a:schemeClr val="tx1"/>
+        </a:solidFill>
+        <a:latin typeface="+mn-lt"/>
+        <a:ea typeface="+mn-ea"/>
+        <a:cs typeface="+mn-cs"/>
+      </a:defRPr>
+    </a:lvl7pPr>
+    <a:lvl8pPr marL="3200400" algn="l" defTabSz="914400" rtl="0" eaLnBrk="1" latinLnBrk="0" hangingPunct="1">
+      <a:defRPr sz="1200" kern="1200">
+        <a:solidFill>
+          <a:schemeClr val="tx1"/>
+        </a:solidFill>
+        <a:latin typeface="+mn-lt"/>
+        <a:ea typeface="+mn-ea"/>
+        <a:cs typeface="+mn-cs"/>
+      </a:defRPr>
+    </a:lvl8pPr>
+    <a:lvl9pPr marL="3657600" algn="l" defTabSz="914400" rtl="0" eaLnBrk="1" latinLnBrk="0" hangingPunct="1">
+      <a:defRPr sz="1200" kern="1200">
+        <a:solidFill>
+          <a:schemeClr val="tx1"/>
+        </a:solidFill>
+        <a:latin typeface="+mn-lt"/>
+        <a:ea typeface="+mn-ea"/>
+        <a:cs typeface="+mn-cs"/>
+      </a:defRPr>
+    </a:lvl9pPr>
+  </p:notesStyle>
+</p:notesMaster>
+</file>
+
+<file path=ppt/notesSlides/notesSlide1.xml><?xml version="1.0" encoding="utf-8"?>
+<p:notes xmlns:a="http://schemas.openxmlformats.org/drawingml/2006/main" xmlns:r="http://schemas.openxmlformats.org/officeDocument/2006/relationships" xmlns:p="http://schemas.openxmlformats.org/presentationml/2006/main">
+  <p:cSld>
+    <p:spTree>
+      <p:nvGrpSpPr>
+        <p:cNvPr id="1" name=""/>
+        <p:cNvGrpSpPr/>
+        <p:nvPr/>
+      </p:nvGrpSpPr>
+      <p:grpSpPr>
+        <a:xfrm>
+          <a:off x="0" y="0"/>
+          <a:ext cx="0" cy="0"/>
+          <a:chOff x="0" y="0"/>
+          <a:chExt cx="0" cy="0"/>
+        </a:xfrm>
+      </p:grpSpPr>
+      <p:sp>
+        <p:nvSpPr>
+          <p:cNvPr id="2" name="Slide Image Placeholder 1"/>
+          <p:cNvSpPr>
+            <a:spLocks noGrp="1" noRot="1" noChangeAspect="1"/>
+          </p:cNvSpPr>
+          <p:nvPr>
+            <p:ph type="sldImg"/>
+          </p:nvPr>
+        </p:nvSpPr>
+        <p:spPr/>
+      </p:sp>
+      <p:sp>
+        <p:nvSpPr>
+          <p:cNvPr id="3" name="Notes Placeholder 2"/>
+          <p:cNvSpPr>
+            <a:spLocks noGrp="1"/>
+          </p:cNvSpPr>
+          <p:nvPr>
+            <p:ph type="body" idx="1"/>
+          </p:nvPr>
+        </p:nvSpPr>
+        <p:spPr/>
+        <p:txBody>
+          <a:bodyPr/>
+          <a:lstStyle/>
+          <a:p>
+            <a:endParaRPr lang="en-NO" dirty="0"/>
+          </a:p>
+        </p:txBody>
+      </p:sp>
+      <p:sp>
+        <p:nvSpPr>
+          <p:cNvPr id="4" name="Slide Number Placeholder 3"/>
+          <p:cNvSpPr>
+            <a:spLocks noGrp="1"/>
+          </p:cNvSpPr>
+          <p:nvPr>
+            <p:ph type="sldNum" sz="quarter" idx="5"/>
+          </p:nvPr>
+        </p:nvSpPr>
+        <p:spPr/>
+        <p:txBody>
+          <a:bodyPr/>
+          <a:lstStyle/>
+          <a:p>
+            <a:fld id="{315B0F89-2F84-D847-8B8C-B9AFB273FEEF}" type="slidenum">
+              <a:rPr lang="en-NO" smtClean="0"/>
+              <a:t>2</a:t>
+            </a:fld>
+            <a:endParaRPr lang="en-NO"/>
+          </a:p>
+        </p:txBody>
+      </p:sp>
+    </p:spTree>
+    <p:extLst>
+      <p:ext uri="{BB962C8B-B14F-4D97-AF65-F5344CB8AC3E}">
+        <p14:creationId xmlns:p14="http://schemas.microsoft.com/office/powerpoint/2010/main" val="1741586161"/>
+      </p:ext>
+    </p:extLst>
+  </p:cSld>
+  <p:clrMapOvr>
+    <a:masterClrMapping/>
+  </p:clrMapOvr>
+</p:notes>
 </file>
 
 <file path=ppt/slideLayouts/slideLayout1.xml><?xml version="1.0" encoding="utf-8"?>
@@ -262,7 +789,7 @@
           <a:p>
             <a:fld id="{1AAF1BFF-5099-2D47-BD0C-CAF76ABE6A97}" type="datetimeFigureOut">
               <a:rPr lang="en-NO" smtClean="0"/>
-              <a:t>22/09/2024</a:t>
+              <a:t>23/09/2024</a:t>
             </a:fld>
             <a:endParaRPr lang="en-NO"/>
           </a:p>
@@ -462,7 +989,7 @@
           <a:p>
             <a:fld id="{1AAF1BFF-5099-2D47-BD0C-CAF76ABE6A97}" type="datetimeFigureOut">
               <a:rPr lang="en-NO" smtClean="0"/>
-              <a:t>22/09/2024</a:t>
+              <a:t>23/09/2024</a:t>
             </a:fld>
             <a:endParaRPr lang="en-NO"/>
           </a:p>
@@ -672,7 +1199,7 @@
           <a:p>
             <a:fld id="{1AAF1BFF-5099-2D47-BD0C-CAF76ABE6A97}" type="datetimeFigureOut">
               <a:rPr lang="en-NO" smtClean="0"/>
-              <a:t>22/09/2024</a:t>
+              <a:t>23/09/2024</a:t>
             </a:fld>
             <a:endParaRPr lang="en-NO"/>
           </a:p>
@@ -872,7 +1399,7 @@
           <a:p>
             <a:fld id="{1AAF1BFF-5099-2D47-BD0C-CAF76ABE6A97}" type="datetimeFigureOut">
               <a:rPr lang="en-NO" smtClean="0"/>
-              <a:t>22/09/2024</a:t>
+              <a:t>23/09/2024</a:t>
             </a:fld>
             <a:endParaRPr lang="en-NO"/>
           </a:p>
@@ -1148,7 +1675,7 @@
           <a:p>
             <a:fld id="{1AAF1BFF-5099-2D47-BD0C-CAF76ABE6A97}" type="datetimeFigureOut">
               <a:rPr lang="en-NO" smtClean="0"/>
-              <a:t>22/09/2024</a:t>
+              <a:t>23/09/2024</a:t>
             </a:fld>
             <a:endParaRPr lang="en-NO"/>
           </a:p>
@@ -1416,7 +1943,7 @@
           <a:p>
             <a:fld id="{1AAF1BFF-5099-2D47-BD0C-CAF76ABE6A97}" type="datetimeFigureOut">
               <a:rPr lang="en-NO" smtClean="0"/>
-              <a:t>22/09/2024</a:t>
+              <a:t>23/09/2024</a:t>
             </a:fld>
             <a:endParaRPr lang="en-NO"/>
           </a:p>
@@ -1831,7 +2358,7 @@
           <a:p>
             <a:fld id="{1AAF1BFF-5099-2D47-BD0C-CAF76ABE6A97}" type="datetimeFigureOut">
               <a:rPr lang="en-NO" smtClean="0"/>
-              <a:t>22/09/2024</a:t>
+              <a:t>23/09/2024</a:t>
             </a:fld>
             <a:endParaRPr lang="en-NO"/>
           </a:p>
@@ -1973,7 +2500,7 @@
           <a:p>
             <a:fld id="{1AAF1BFF-5099-2D47-BD0C-CAF76ABE6A97}" type="datetimeFigureOut">
               <a:rPr lang="en-NO" smtClean="0"/>
-              <a:t>22/09/2024</a:t>
+              <a:t>23/09/2024</a:t>
             </a:fld>
             <a:endParaRPr lang="en-NO"/>
           </a:p>
@@ -2086,7 +2613,7 @@
           <a:p>
             <a:fld id="{1AAF1BFF-5099-2D47-BD0C-CAF76ABE6A97}" type="datetimeFigureOut">
               <a:rPr lang="en-NO" smtClean="0"/>
-              <a:t>22/09/2024</a:t>
+              <a:t>23/09/2024</a:t>
             </a:fld>
             <a:endParaRPr lang="en-NO"/>
           </a:p>
@@ -2399,7 +2926,7 @@
           <a:p>
             <a:fld id="{1AAF1BFF-5099-2D47-BD0C-CAF76ABE6A97}" type="datetimeFigureOut">
               <a:rPr lang="en-NO" smtClean="0"/>
-              <a:t>22/09/2024</a:t>
+              <a:t>23/09/2024</a:t>
             </a:fld>
             <a:endParaRPr lang="en-NO"/>
           </a:p>
@@ -2688,7 +3215,7 @@
           <a:p>
             <a:fld id="{1AAF1BFF-5099-2D47-BD0C-CAF76ABE6A97}" type="datetimeFigureOut">
               <a:rPr lang="en-NO" smtClean="0"/>
-              <a:t>22/09/2024</a:t>
+              <a:t>23/09/2024</a:t>
             </a:fld>
             <a:endParaRPr lang="en-NO"/>
           </a:p>
@@ -2931,7 +3458,7 @@
           <a:p>
             <a:fld id="{1AAF1BFF-5099-2D47-BD0C-CAF76ABE6A97}" type="datetimeFigureOut">
               <a:rPr lang="en-NO" smtClean="0"/>
-              <a:t>22/09/2024</a:t>
+              <a:t>23/09/2024</a:t>
             </a:fld>
             <a:endParaRPr lang="en-NO"/>
           </a:p>
@@ -3458,7 +3985,7 @@
           </p:nvPr>
         </p:nvPicPr>
         <p:blipFill>
-          <a:blip r:embed="rId2"/>
+          <a:blip r:embed="rId3"/>
           <a:stretch>
             <a:fillRect/>
           </a:stretch>
@@ -3489,14 +4016,6 @@
 <file path=ppt/slides/slide3.xml><?xml version="1.0" encoding="utf-8"?>
 <p:sld xmlns:a="http://schemas.openxmlformats.org/drawingml/2006/main" xmlns:r="http://schemas.openxmlformats.org/officeDocument/2006/relationships" xmlns:p="http://schemas.openxmlformats.org/presentationml/2006/main">
   <p:cSld>
-    <p:bg>
-      <p:bgPr>
-        <a:solidFill>
-          <a:schemeClr val="bg1"/>
-        </a:solidFill>
-        <a:effectLst/>
-      </p:bgPr>
-    </p:bg>
     <p:spTree>
       <p:nvGrpSpPr>
         <p:cNvPr id="1" name=""/>
@@ -3511,42 +4030,341 @@
           <a:chExt cx="0" cy="0"/>
         </a:xfrm>
       </p:grpSpPr>
+      <p:sp>
+        <p:nvSpPr>
+          <p:cNvPr id="2" name="Title 1">
+            <a:extLst>
+              <a:ext uri="{FF2B5EF4-FFF2-40B4-BE49-F238E27FC236}">
+                <a16:creationId xmlns:a16="http://schemas.microsoft.com/office/drawing/2014/main" id="{732BB47A-C161-B8AA-62E9-835AD07D11DD}"/>
+              </a:ext>
+            </a:extLst>
+          </p:cNvPr>
+          <p:cNvSpPr>
+            <a:spLocks noGrp="1"/>
+          </p:cNvSpPr>
+          <p:nvPr>
+            <p:ph type="title"/>
+          </p:nvPr>
+        </p:nvSpPr>
+        <p:spPr>
+          <a:xfrm>
+            <a:off x="883011" y="2798188"/>
+            <a:ext cx="3654569" cy="2042725"/>
+          </a:xfrm>
+        </p:spPr>
+        <p:txBody>
+          <a:bodyPr vert="horz" lIns="228600" tIns="228600" rIns="228600" bIns="0" rtlCol="0" anchor="b">
+            <a:normAutofit fontScale="90000"/>
+          </a:bodyPr>
+          <a:lstStyle/>
+          <a:p>
+            <a:pPr marL="0" marR="0" lvl="0" indent="0" fontAlgn="base">
+              <a:lnSpc>
+                <a:spcPct val="80000"/>
+              </a:lnSpc>
+              <a:spcAft>
+                <a:spcPct val="0"/>
+              </a:spcAft>
+              <a:buClrTx/>
+              <a:buSzTx/>
+              <a:tabLst/>
+            </a:pPr>
+            <a:r>
+              <a:rPr kumimoji="0" lang="en-US" altLang="nb-NO" sz="5300" u="none" strike="noStrike" normalizeH="0" baseline="0" dirty="0">
+                <a:ln>
+                  <a:noFill/>
+                </a:ln>
+              </a:rPr>
+              <a:t>Pause &lt;3</a:t>
+            </a:r>
+          </a:p>
+          <a:p>
+            <a:pPr marL="0" marR="0" lvl="0" indent="0" fontAlgn="base">
+              <a:lnSpc>
+                <a:spcPct val="80000"/>
+              </a:lnSpc>
+              <a:spcAft>
+                <a:spcPct val="0"/>
+              </a:spcAft>
+              <a:buClrTx/>
+              <a:buSzTx/>
+              <a:tabLst/>
+            </a:pPr>
+            <a:br>
+              <a:rPr kumimoji="0" lang="en-US" altLang="nb-NO" sz="1400" u="none" strike="noStrike" normalizeH="0" baseline="0" dirty="0">
+                <a:ln>
+                  <a:noFill/>
+                </a:ln>
+              </a:rPr>
+            </a:br>
+            <a:endParaRPr kumimoji="0" lang="en-US" altLang="nb-NO" sz="1400" u="none" strike="noStrike" normalizeH="0" baseline="0" dirty="0">
+              <a:ln>
+                <a:noFill/>
+              </a:ln>
+            </a:endParaRPr>
+          </a:p>
+          <a:p>
+            <a:pPr marL="0" marR="0" lvl="0" indent="0" fontAlgn="base">
+              <a:lnSpc>
+                <a:spcPct val="80000"/>
+              </a:lnSpc>
+              <a:spcAft>
+                <a:spcPct val="0"/>
+              </a:spcAft>
+              <a:buClrTx/>
+              <a:buSzTx/>
+              <a:tabLst/>
+            </a:pPr>
+            <a:r>
+              <a:rPr kumimoji="0" lang="en-US" altLang="nb-NO" sz="3100" u="none" strike="noStrike" normalizeH="0" baseline="0" dirty="0">
+                <a:ln>
+                  <a:noFill/>
+                </a:ln>
+              </a:rPr>
+              <a:t>Gruppe </a:t>
+            </a:r>
+            <a:r>
+              <a:rPr lang="en-US" altLang="nb-NO" sz="3100" dirty="0"/>
+              <a:t>6</a:t>
+            </a:r>
+            <a:endParaRPr kumimoji="0" lang="en-US" altLang="nb-NO" sz="3100" u="none" strike="noStrike" normalizeH="0" baseline="0" dirty="0">
+              <a:ln>
+                <a:noFill/>
+              </a:ln>
+            </a:endParaRPr>
+          </a:p>
+          <a:p>
+            <a:pPr marL="0" marR="0" lvl="0" indent="0" fontAlgn="base">
+              <a:lnSpc>
+                <a:spcPct val="80000"/>
+              </a:lnSpc>
+              <a:spcAft>
+                <a:spcPct val="0"/>
+              </a:spcAft>
+              <a:buClrTx/>
+              <a:buSzTx/>
+              <a:tabLst/>
+            </a:pPr>
+            <a:r>
+              <a:rPr kumimoji="0" lang="en-US" altLang="nb-NO" sz="1400" u="none" strike="noStrike" normalizeH="0" baseline="0" dirty="0">
+                <a:ln>
+                  <a:noFill/>
+                </a:ln>
+              </a:rPr>
+              <a:t>       </a:t>
+            </a:r>
+            <a:br>
+              <a:rPr kumimoji="0" lang="en-US" altLang="nb-NO" sz="1400" u="none" strike="noStrike" normalizeH="0" baseline="0" dirty="0">
+                <a:ln>
+                  <a:noFill/>
+                </a:ln>
+              </a:rPr>
+            </a:br>
+            <a:endParaRPr kumimoji="0" lang="en-US" altLang="nb-NO" sz="1400" u="none" strike="noStrike" normalizeH="0" baseline="0" dirty="0">
+              <a:ln>
+                <a:noFill/>
+              </a:ln>
+            </a:endParaRPr>
+          </a:p>
+          <a:p>
+            <a:pPr marL="0" marR="0" lvl="0" indent="0" fontAlgn="base">
+              <a:lnSpc>
+                <a:spcPct val="80000"/>
+              </a:lnSpc>
+              <a:spcAft>
+                <a:spcPct val="0"/>
+              </a:spcAft>
+              <a:buClrTx/>
+              <a:buSzTx/>
+              <a:tabLst/>
+            </a:pPr>
+            <a:r>
+              <a:rPr kumimoji="0" lang="en-US" altLang="nb-NO" sz="2200" u="none" strike="noStrike" normalizeH="0" baseline="0" dirty="0">
+                <a:ln>
+                  <a:noFill/>
+                </a:ln>
+              </a:rPr>
+              <a:t>Husk å </a:t>
+            </a:r>
+            <a:r>
+              <a:rPr kumimoji="0" lang="en-US" altLang="nb-NO" sz="2200" u="none" strike="noStrike" normalizeH="0" baseline="0" dirty="0" err="1">
+                <a:ln>
+                  <a:noFill/>
+                </a:ln>
+              </a:rPr>
+              <a:t>registrere</a:t>
+            </a:r>
+            <a:r>
+              <a:rPr kumimoji="0" lang="en-US" altLang="nb-NO" sz="2200" u="none" strike="noStrike" normalizeH="0" baseline="0" dirty="0">
+                <a:ln>
+                  <a:noFill/>
+                </a:ln>
+              </a:rPr>
+              <a:t> </a:t>
+            </a:r>
+            <a:r>
+              <a:rPr kumimoji="0" lang="en-US" altLang="nb-NO" sz="2200" u="none" strike="noStrike" normalizeH="0" baseline="0" dirty="0" err="1">
+                <a:ln>
+                  <a:noFill/>
+                </a:ln>
+              </a:rPr>
+              <a:t>oppmøte</a:t>
+            </a:r>
+            <a:r>
+              <a:rPr kumimoji="0" lang="en-US" altLang="nb-NO" sz="2200" u="none" strike="noStrike" normalizeH="0" baseline="0" dirty="0">
+                <a:ln>
+                  <a:noFill/>
+                </a:ln>
+              </a:rPr>
+              <a:t> :)</a:t>
+            </a:r>
+          </a:p>
+          <a:p>
+            <a:pPr marL="0" marR="0" lvl="0" indent="0" fontAlgn="base">
+              <a:lnSpc>
+                <a:spcPct val="80000"/>
+              </a:lnSpc>
+              <a:spcAft>
+                <a:spcPct val="0"/>
+              </a:spcAft>
+              <a:buClrTx/>
+              <a:buSzTx/>
+              <a:tabLst/>
+            </a:pPr>
+            <a:endParaRPr kumimoji="0" lang="en-US" altLang="nb-NO" sz="1400" u="none" strike="noStrike" normalizeH="0" baseline="0" dirty="0">
+              <a:ln>
+                <a:noFill/>
+              </a:ln>
+            </a:endParaRPr>
+          </a:p>
+          <a:p>
+            <a:pPr marL="0" marR="0" lvl="0" indent="0" fontAlgn="base">
+              <a:lnSpc>
+                <a:spcPct val="80000"/>
+              </a:lnSpc>
+              <a:spcAft>
+                <a:spcPct val="0"/>
+              </a:spcAft>
+              <a:buClrTx/>
+              <a:buSzTx/>
+              <a:tabLst/>
+            </a:pPr>
+            <a:br>
+              <a:rPr kumimoji="0" lang="en-US" altLang="nb-NO" sz="1400" u="none" strike="noStrike" normalizeH="0" baseline="0" dirty="0">
+                <a:ln>
+                  <a:noFill/>
+                </a:ln>
+              </a:rPr>
+            </a:br>
+            <a:endParaRPr kumimoji="0" lang="en-US" altLang="nb-NO" sz="1400" u="none" strike="noStrike" normalizeH="0" baseline="0" dirty="0">
+              <a:ln>
+                <a:noFill/>
+              </a:ln>
+            </a:endParaRPr>
+          </a:p>
+          <a:p>
+            <a:pPr marL="0" marR="0" lvl="0" indent="0" fontAlgn="base">
+              <a:lnSpc>
+                <a:spcPct val="80000"/>
+              </a:lnSpc>
+              <a:spcAft>
+                <a:spcPct val="0"/>
+              </a:spcAft>
+              <a:buClrTx/>
+              <a:buSzTx/>
+              <a:tabLst/>
+            </a:pPr>
+            <a:r>
+              <a:rPr kumimoji="0" lang="en-US" altLang="nb-NO" sz="1800" u="none" strike="noStrike" normalizeH="0" baseline="0" dirty="0">
+                <a:ln>
+                  <a:noFill/>
+                </a:ln>
+              </a:rPr>
+              <a:t>https://nettskjema.no/a/in1000gruppetime</a:t>
+            </a:r>
+          </a:p>
+          <a:p>
+            <a:pPr marL="0" marR="0" lvl="0" indent="0" fontAlgn="base">
+              <a:lnSpc>
+                <a:spcPct val="80000"/>
+              </a:lnSpc>
+              <a:spcAft>
+                <a:spcPct val="0"/>
+              </a:spcAft>
+              <a:buClrTx/>
+              <a:buSzTx/>
+              <a:tabLst/>
+            </a:pPr>
+            <a:br>
+              <a:rPr kumimoji="0" lang="en-US" altLang="nb-NO" sz="1400" u="none" strike="noStrike" normalizeH="0" baseline="0" dirty="0">
+                <a:ln>
+                  <a:noFill/>
+                </a:ln>
+              </a:rPr>
+            </a:br>
+            <a:endParaRPr kumimoji="0" lang="en-US" altLang="nb-NO" sz="1400" u="none" strike="noStrike" normalizeH="0" baseline="0" dirty="0">
+              <a:ln>
+                <a:noFill/>
+              </a:ln>
+            </a:endParaRPr>
+          </a:p>
+        </p:txBody>
+      </p:sp>
       <p:pic>
         <p:nvPicPr>
-          <p:cNvPr id="5" name="Content Placeholder 4" descr="A white text with black text&#10;&#10;Description automatically generated">
-            <a:extLst>
-              <a:ext uri="{FF2B5EF4-FFF2-40B4-BE49-F238E27FC236}">
-                <a16:creationId xmlns:a16="http://schemas.microsoft.com/office/drawing/2014/main" id="{E93E4B37-3384-6CF7-8555-7349D4E95D38}"/>
+          <p:cNvPr id="1026" name="Picture 2">
+            <a:extLst>
+              <a:ext uri="{FF2B5EF4-FFF2-40B4-BE49-F238E27FC236}">
+                <a16:creationId xmlns:a16="http://schemas.microsoft.com/office/drawing/2014/main" id="{30C5DDC5-BA20-3E63-D0CC-E0AF8B23ECD0}"/>
               </a:ext>
             </a:extLst>
           </p:cNvPr>
           <p:cNvPicPr>
-            <a:picLocks noGrp="1" noChangeAspect="1"/>
+            <a:picLocks noGrp="1" noChangeAspect="1" noChangeArrowheads="1"/>
           </p:cNvPicPr>
           <p:nvPr>
             <p:ph idx="1"/>
           </p:nvPr>
         </p:nvPicPr>
         <p:blipFill>
-          <a:blip r:embed="rId2"/>
+          <a:blip r:embed="rId2">
+            <a:extLst>
+              <a:ext uri="{28A0092B-C50C-407E-A947-70E740481C1C}">
+                <a14:useLocalDpi xmlns:a14="http://schemas.microsoft.com/office/drawing/2010/main" val="0"/>
+              </a:ext>
+            </a:extLst>
+          </a:blip>
           <a:stretch>
             <a:fillRect/>
           </a:stretch>
         </p:blipFill>
-        <p:spPr>
+        <p:spPr bwMode="auto">
           <a:xfrm>
-            <a:off x="643467" y="907204"/>
-            <a:ext cx="10905066" cy="5043590"/>
+            <a:off x="6580061" y="942167"/>
+            <a:ext cx="4575957" cy="4575957"/>
           </a:xfrm>
           <a:prstGeom prst="rect">
             <a:avLst/>
           </a:prstGeom>
+          <a:noFill/>
+          <a:ln w="9525">
+            <a:noFill/>
+          </a:ln>
+          <a:extLst>
+            <a:ext uri="{909E8E84-426E-40DD-AFC4-6F175D3DCCD1}">
+              <a14:hiddenFill xmlns:a14="http://schemas.microsoft.com/office/drawing/2010/main">
+                <a:solidFill>
+                  <a:srgbClr val="FFFFFF"/>
+                </a:solidFill>
+              </a14:hiddenFill>
+            </a:ext>
+          </a:extLst>
         </p:spPr>
       </p:pic>
     </p:spTree>
     <p:extLst>
       <p:ext uri="{BB962C8B-B14F-4D97-AF65-F5344CB8AC3E}">
-        <p14:creationId xmlns:p14="http://schemas.microsoft.com/office/powerpoint/2010/main" val="1569937445"/>
+        <p14:creationId xmlns:p14="http://schemas.microsoft.com/office/powerpoint/2010/main" val="2977141500"/>
       </p:ext>
     </p:extLst>
   </p:cSld>
@@ -3583,10 +4401,10 @@
       </p:grpSpPr>
       <p:pic>
         <p:nvPicPr>
-          <p:cNvPr id="5" name="Content Placeholder 4" descr="A close-up of a document&#10;&#10;Description automatically generated">
-            <a:extLst>
-              <a:ext uri="{FF2B5EF4-FFF2-40B4-BE49-F238E27FC236}">
-                <a16:creationId xmlns:a16="http://schemas.microsoft.com/office/drawing/2014/main" id="{1B147F7C-03FA-EB40-B173-59233CEF8B9D}"/>
+          <p:cNvPr id="5" name="Content Placeholder 4" descr="A white text with black text&#10;&#10;Description automatically generated">
+            <a:extLst>
+              <a:ext uri="{FF2B5EF4-FFF2-40B4-BE49-F238E27FC236}">
+                <a16:creationId xmlns:a16="http://schemas.microsoft.com/office/drawing/2014/main" id="{E93E4B37-3384-6CF7-8555-7349D4E95D38}"/>
               </a:ext>
             </a:extLst>
           </p:cNvPr>
@@ -3605,8 +4423,8 @@
         </p:blipFill>
         <p:spPr>
           <a:xfrm>
-            <a:off x="643467" y="1397931"/>
-            <a:ext cx="10905066" cy="4062137"/>
+            <a:off x="643467" y="907204"/>
+            <a:ext cx="10905066" cy="5043590"/>
           </a:xfrm>
           <a:prstGeom prst="rect">
             <a:avLst/>
@@ -3616,7 +4434,7 @@
     </p:spTree>
     <p:extLst>
       <p:ext uri="{BB962C8B-B14F-4D97-AF65-F5344CB8AC3E}">
-        <p14:creationId xmlns:p14="http://schemas.microsoft.com/office/powerpoint/2010/main" val="487586519"/>
+        <p14:creationId xmlns:p14="http://schemas.microsoft.com/office/powerpoint/2010/main" val="1569937445"/>
       </p:ext>
     </p:extLst>
   </p:cSld>
@@ -3653,10 +4471,10 @@
       </p:grpSpPr>
       <p:pic>
         <p:nvPicPr>
-          <p:cNvPr id="5" name="Content Placeholder 4" descr="A white text with black text&#10;&#10;Description automatically generated">
-            <a:extLst>
-              <a:ext uri="{FF2B5EF4-FFF2-40B4-BE49-F238E27FC236}">
-                <a16:creationId xmlns:a16="http://schemas.microsoft.com/office/drawing/2014/main" id="{971208C3-2604-CCF1-395E-5FF6D17EEE5B}"/>
+          <p:cNvPr id="5" name="Content Placeholder 4" descr="A close-up of a document&#10;&#10;Description automatically generated">
+            <a:extLst>
+              <a:ext uri="{FF2B5EF4-FFF2-40B4-BE49-F238E27FC236}">
+                <a16:creationId xmlns:a16="http://schemas.microsoft.com/office/drawing/2014/main" id="{1B147F7C-03FA-EB40-B173-59233CEF8B9D}"/>
               </a:ext>
             </a:extLst>
           </p:cNvPr>
@@ -3675,8 +4493,8 @@
         </p:blipFill>
         <p:spPr>
           <a:xfrm>
-            <a:off x="2381955" y="643466"/>
-            <a:ext cx="7428090" cy="5571067"/>
+            <a:off x="643467" y="1397931"/>
+            <a:ext cx="10905066" cy="4062137"/>
           </a:xfrm>
           <a:prstGeom prst="rect">
             <a:avLst/>
@@ -3686,7 +4504,7 @@
     </p:spTree>
     <p:extLst>
       <p:ext uri="{BB962C8B-B14F-4D97-AF65-F5344CB8AC3E}">
-        <p14:creationId xmlns:p14="http://schemas.microsoft.com/office/powerpoint/2010/main" val="697672977"/>
+        <p14:creationId xmlns:p14="http://schemas.microsoft.com/office/powerpoint/2010/main" val="487586519"/>
       </p:ext>
     </p:extLst>
   </p:cSld>
@@ -3723,6 +4541,76 @@
       </p:grpSpPr>
       <p:pic>
         <p:nvPicPr>
+          <p:cNvPr id="5" name="Content Placeholder 4" descr="A white text with black text&#10;&#10;Description automatically generated">
+            <a:extLst>
+              <a:ext uri="{FF2B5EF4-FFF2-40B4-BE49-F238E27FC236}">
+                <a16:creationId xmlns:a16="http://schemas.microsoft.com/office/drawing/2014/main" id="{971208C3-2604-CCF1-395E-5FF6D17EEE5B}"/>
+              </a:ext>
+            </a:extLst>
+          </p:cNvPr>
+          <p:cNvPicPr>
+            <a:picLocks noGrp="1" noChangeAspect="1"/>
+          </p:cNvPicPr>
+          <p:nvPr>
+            <p:ph idx="1"/>
+          </p:nvPr>
+        </p:nvPicPr>
+        <p:blipFill>
+          <a:blip r:embed="rId2"/>
+          <a:stretch>
+            <a:fillRect/>
+          </a:stretch>
+        </p:blipFill>
+        <p:spPr>
+          <a:xfrm>
+            <a:off x="2381955" y="643466"/>
+            <a:ext cx="7428090" cy="5571067"/>
+          </a:xfrm>
+          <a:prstGeom prst="rect">
+            <a:avLst/>
+          </a:prstGeom>
+        </p:spPr>
+      </p:pic>
+    </p:spTree>
+    <p:extLst>
+      <p:ext uri="{BB962C8B-B14F-4D97-AF65-F5344CB8AC3E}">
+        <p14:creationId xmlns:p14="http://schemas.microsoft.com/office/powerpoint/2010/main" val="697672977"/>
+      </p:ext>
+    </p:extLst>
+  </p:cSld>
+  <p:clrMapOvr>
+    <a:masterClrMapping/>
+  </p:clrMapOvr>
+</p:sld>
+</file>
+
+<file path=ppt/slides/slide7.xml><?xml version="1.0" encoding="utf-8"?>
+<p:sld xmlns:a="http://schemas.openxmlformats.org/drawingml/2006/main" xmlns:r="http://schemas.openxmlformats.org/officeDocument/2006/relationships" xmlns:p="http://schemas.openxmlformats.org/presentationml/2006/main">
+  <p:cSld>
+    <p:bg>
+      <p:bgPr>
+        <a:solidFill>
+          <a:schemeClr val="bg1"/>
+        </a:solidFill>
+        <a:effectLst/>
+      </p:bgPr>
+    </p:bg>
+    <p:spTree>
+      <p:nvGrpSpPr>
+        <p:cNvPr id="1" name=""/>
+        <p:cNvGrpSpPr/>
+        <p:nvPr/>
+      </p:nvGrpSpPr>
+      <p:grpSpPr>
+        <a:xfrm>
+          <a:off x="0" y="0"/>
+          <a:ext cx="0" cy="0"/>
+          <a:chOff x="0" y="0"/>
+          <a:chExt cx="0" cy="0"/>
+        </a:xfrm>
+      </p:grpSpPr>
+      <p:pic>
+        <p:nvPicPr>
           <p:cNvPr id="5" name="Content Placeholder 4" descr="A close-up of a document&#10;&#10;Description automatically generated">
             <a:extLst>
               <a:ext uri="{FF2B5EF4-FFF2-40B4-BE49-F238E27FC236}">
@@ -3766,7 +4654,7 @@
 </p:sld>
 </file>
 
-<file path=ppt/slides/slide7.xml><?xml version="1.0" encoding="utf-8"?>
+<file path=ppt/slides/slide8.xml><?xml version="1.0" encoding="utf-8"?>
 <p:sld xmlns:a="http://schemas.openxmlformats.org/drawingml/2006/main" xmlns:r="http://schemas.openxmlformats.org/officeDocument/2006/relationships" xmlns:p="http://schemas.openxmlformats.org/presentationml/2006/main">
   <p:cSld>
     <p:bg>
@@ -4149,4 +5037,319 @@
     </a:ext>
   </a:extLst>
 </a:theme>
+</file>
+
+<file path=ppt/theme/theme2.xml><?xml version="1.0" encoding="utf-8"?>
+<a:theme xmlns:a="http://schemas.openxmlformats.org/drawingml/2006/main" name="Office Theme">
+  <a:themeElements>
+    <a:clrScheme name="Office">
+      <a:dk1>
+        <a:sysClr val="windowText" lastClr="000000"/>
+      </a:dk1>
+      <a:lt1>
+        <a:sysClr val="window" lastClr="FFFFFF"/>
+      </a:lt1>
+      <a:dk2>
+        <a:srgbClr val="0E2841"/>
+      </a:dk2>
+      <a:lt2>
+        <a:srgbClr val="E8E8E8"/>
+      </a:lt2>
+      <a:accent1>
+        <a:srgbClr val="156082"/>
+      </a:accent1>
+      <a:accent2>
+        <a:srgbClr val="E97132"/>
+      </a:accent2>
+      <a:accent3>
+        <a:srgbClr val="196B24"/>
+      </a:accent3>
+      <a:accent4>
+        <a:srgbClr val="0F9ED5"/>
+      </a:accent4>
+      <a:accent5>
+        <a:srgbClr val="A02B93"/>
+      </a:accent5>
+      <a:accent6>
+        <a:srgbClr val="4EA72E"/>
+      </a:accent6>
+      <a:hlink>
+        <a:srgbClr val="467886"/>
+      </a:hlink>
+      <a:folHlink>
+        <a:srgbClr val="96607D"/>
+      </a:folHlink>
+    </a:clrScheme>
+    <a:fontScheme name="Office">
+      <a:majorFont>
+        <a:latin typeface="Aptos Display" panose="02110004020202020204"/>
+        <a:ea typeface=""/>
+        <a:cs typeface=""/>
+        <a:font script="Jpan" typeface="游ゴシック Light"/>
+        <a:font script="Hang" typeface="맑은 고딕"/>
+        <a:font script="Hans" typeface="等线 Light"/>
+        <a:font script="Hant" typeface="新細明體"/>
+        <a:font script="Arab" typeface="Times New Roman"/>
+        <a:font script="Hebr" typeface="Times New Roman"/>
+        <a:font script="Thai" typeface="Angsana New"/>
+        <a:font script="Ethi" typeface="Nyala"/>
+        <a:font script="Beng" typeface="Vrinda"/>
+        <a:font script="Gujr" typeface="Shruti"/>
+        <a:font script="Khmr" typeface="MoolBoran"/>
+        <a:font script="Knda" typeface="Tunga"/>
+        <a:font script="Guru" typeface="Raavi"/>
+        <a:font script="Cans" typeface="Euphemia"/>
+        <a:font script="Cher" typeface="Plantagenet Cherokee"/>
+        <a:font script="Yiii" typeface="Microsoft Yi Baiti"/>
+        <a:font script="Tibt" typeface="Microsoft Himalaya"/>
+        <a:font script="Thaa" typeface="MV Boli"/>
+        <a:font script="Deva" typeface="Mangal"/>
+        <a:font script="Telu" typeface="Gautami"/>
+        <a:font script="Taml" typeface="Latha"/>
+        <a:font script="Syrc" typeface="Estrangelo Edessa"/>
+        <a:font script="Orya" typeface="Kalinga"/>
+        <a:font script="Mlym" typeface="Kartika"/>
+        <a:font script="Laoo" typeface="DokChampa"/>
+        <a:font script="Sinh" typeface="Iskoola Pota"/>
+        <a:font script="Mong" typeface="Mongolian Baiti"/>
+        <a:font script="Viet" typeface="Times New Roman"/>
+        <a:font script="Uigh" typeface="Microsoft Uighur"/>
+        <a:font script="Geor" typeface="Sylfaen"/>
+        <a:font script="Armn" typeface="Arial"/>
+        <a:font script="Bugi" typeface="Leelawadee UI"/>
+        <a:font script="Bopo" typeface="Microsoft JhengHei"/>
+        <a:font script="Java" typeface="Javanese Text"/>
+        <a:font script="Lisu" typeface="Segoe UI"/>
+        <a:font script="Mymr" typeface="Myanmar Text"/>
+        <a:font script="Nkoo" typeface="Ebrima"/>
+        <a:font script="Olck" typeface="Nirmala UI"/>
+        <a:font script="Osma" typeface="Ebrima"/>
+        <a:font script="Phag" typeface="Phagspa"/>
+        <a:font script="Syrn" typeface="Estrangelo Edessa"/>
+        <a:font script="Syrj" typeface="Estrangelo Edessa"/>
+        <a:font script="Syre" typeface="Estrangelo Edessa"/>
+        <a:font script="Sora" typeface="Nirmala UI"/>
+        <a:font script="Tale" typeface="Microsoft Tai Le"/>
+        <a:font script="Talu" typeface="Microsoft New Tai Lue"/>
+        <a:font script="Tfng" typeface="Ebrima"/>
+      </a:majorFont>
+      <a:minorFont>
+        <a:latin typeface="Aptos" panose="02110004020202020204"/>
+        <a:ea typeface=""/>
+        <a:cs typeface=""/>
+        <a:font script="Jpan" typeface="游ゴシック"/>
+        <a:font script="Hang" typeface="맑은 고딕"/>
+        <a:font script="Hans" typeface="等线"/>
+        <a:font script="Hant" typeface="新細明體"/>
+        <a:font script="Arab" typeface="Arial"/>
+        <a:font script="Hebr" typeface="Arial"/>
+        <a:font script="Thai" typeface="Cordia New"/>
+        <a:font script="Ethi" typeface="Nyala"/>
+        <a:font script="Beng" typeface="Vrinda"/>
+        <a:font script="Gujr" typeface="Shruti"/>
+        <a:font script="Khmr" typeface="DaunPenh"/>
+        <a:font script="Knda" typeface="Tunga"/>
+        <a:font script="Guru" typeface="Raavi"/>
+        <a:font script="Cans" typeface="Euphemia"/>
+        <a:font script="Cher" typeface="Plantagenet Cherokee"/>
+        <a:font script="Yiii" typeface="Microsoft Yi Baiti"/>
+        <a:font script="Tibt" typeface="Microsoft Himalaya"/>
+        <a:font script="Thaa" typeface="MV Boli"/>
+        <a:font script="Deva" typeface="Mangal"/>
+        <a:font script="Telu" typeface="Gautami"/>
+        <a:font script="Taml" typeface="Latha"/>
+        <a:font script="Syrc" typeface="Estrangelo Edessa"/>
+        <a:font script="Orya" typeface="Kalinga"/>
+        <a:font script="Mlym" typeface="Kartika"/>
+        <a:font script="Laoo" typeface="DokChampa"/>
+        <a:font script="Sinh" typeface="Iskoola Pota"/>
+        <a:font script="Mong" typeface="Mongolian Baiti"/>
+        <a:font script="Viet" typeface="Arial"/>
+        <a:font script="Uigh" typeface="Microsoft Uighur"/>
+        <a:font script="Geor" typeface="Sylfaen"/>
+        <a:font script="Armn" typeface="Arial"/>
+        <a:font script="Bugi" typeface="Leelawadee UI"/>
+        <a:font script="Bopo" typeface="Microsoft JhengHei"/>
+        <a:font script="Java" typeface="Javanese Text"/>
+        <a:font script="Lisu" typeface="Segoe UI"/>
+        <a:font script="Mymr" typeface="Myanmar Text"/>
+        <a:font script="Nkoo" typeface="Ebrima"/>
+        <a:font script="Olck" typeface="Nirmala UI"/>
+        <a:font script="Osma" typeface="Ebrima"/>
+        <a:font script="Phag" typeface="Phagspa"/>
+        <a:font script="Syrn" typeface="Estrangelo Edessa"/>
+        <a:font script="Syrj" typeface="Estrangelo Edessa"/>
+        <a:font script="Syre" typeface="Estrangelo Edessa"/>
+        <a:font script="Sora" typeface="Nirmala UI"/>
+        <a:font script="Tale" typeface="Microsoft Tai Le"/>
+        <a:font script="Talu" typeface="Microsoft New Tai Lue"/>
+        <a:font script="Tfng" typeface="Ebrima"/>
+      </a:minorFont>
+    </a:fontScheme>
+    <a:fmtScheme name="Office">
+      <a:fillStyleLst>
+        <a:solidFill>
+          <a:schemeClr val="phClr"/>
+        </a:solidFill>
+        <a:gradFill rotWithShape="1">
+          <a:gsLst>
+            <a:gs pos="0">
+              <a:schemeClr val="phClr">
+                <a:lumMod val="110000"/>
+                <a:satMod val="105000"/>
+                <a:tint val="67000"/>
+              </a:schemeClr>
+            </a:gs>
+            <a:gs pos="50000">
+              <a:schemeClr val="phClr">
+                <a:lumMod val="105000"/>
+                <a:satMod val="103000"/>
+                <a:tint val="73000"/>
+              </a:schemeClr>
+            </a:gs>
+            <a:gs pos="100000">
+              <a:schemeClr val="phClr">
+                <a:lumMod val="105000"/>
+                <a:satMod val="109000"/>
+                <a:tint val="81000"/>
+              </a:schemeClr>
+            </a:gs>
+          </a:gsLst>
+          <a:lin ang="5400000" scaled="0"/>
+        </a:gradFill>
+        <a:gradFill rotWithShape="1">
+          <a:gsLst>
+            <a:gs pos="0">
+              <a:schemeClr val="phClr">
+                <a:satMod val="103000"/>
+                <a:lumMod val="102000"/>
+                <a:tint val="94000"/>
+              </a:schemeClr>
+            </a:gs>
+            <a:gs pos="50000">
+              <a:schemeClr val="phClr">
+                <a:satMod val="110000"/>
+                <a:lumMod val="100000"/>
+                <a:shade val="100000"/>
+              </a:schemeClr>
+            </a:gs>
+            <a:gs pos="100000">
+              <a:schemeClr val="phClr">
+                <a:lumMod val="99000"/>
+                <a:satMod val="120000"/>
+                <a:shade val="78000"/>
+              </a:schemeClr>
+            </a:gs>
+          </a:gsLst>
+          <a:lin ang="5400000" scaled="0"/>
+        </a:gradFill>
+      </a:fillStyleLst>
+      <a:lnStyleLst>
+        <a:ln w="12700" cap="flat" cmpd="sng" algn="ctr">
+          <a:solidFill>
+            <a:schemeClr val="phClr"/>
+          </a:solidFill>
+          <a:prstDash val="solid"/>
+          <a:miter lim="800000"/>
+        </a:ln>
+        <a:ln w="19050" cap="flat" cmpd="sng" algn="ctr">
+          <a:solidFill>
+            <a:schemeClr val="phClr"/>
+          </a:solidFill>
+          <a:prstDash val="solid"/>
+          <a:miter lim="800000"/>
+        </a:ln>
+        <a:ln w="25400" cap="flat" cmpd="sng" algn="ctr">
+          <a:solidFill>
+            <a:schemeClr val="phClr"/>
+          </a:solidFill>
+          <a:prstDash val="solid"/>
+          <a:miter lim="800000"/>
+        </a:ln>
+      </a:lnStyleLst>
+      <a:effectStyleLst>
+        <a:effectStyle>
+          <a:effectLst/>
+        </a:effectStyle>
+        <a:effectStyle>
+          <a:effectLst/>
+        </a:effectStyle>
+        <a:effectStyle>
+          <a:effectLst>
+            <a:outerShdw blurRad="57150" dist="19050" dir="5400000" algn="ctr" rotWithShape="0">
+              <a:srgbClr val="000000">
+                <a:alpha val="63000"/>
+              </a:srgbClr>
+            </a:outerShdw>
+          </a:effectLst>
+        </a:effectStyle>
+      </a:effectStyleLst>
+      <a:bgFillStyleLst>
+        <a:solidFill>
+          <a:schemeClr val="phClr"/>
+        </a:solidFill>
+        <a:solidFill>
+          <a:schemeClr val="phClr">
+            <a:tint val="95000"/>
+            <a:satMod val="170000"/>
+          </a:schemeClr>
+        </a:solidFill>
+        <a:gradFill rotWithShape="1">
+          <a:gsLst>
+            <a:gs pos="0">
+              <a:schemeClr val="phClr">
+                <a:tint val="93000"/>
+                <a:satMod val="150000"/>
+                <a:shade val="98000"/>
+                <a:lumMod val="102000"/>
+              </a:schemeClr>
+            </a:gs>
+            <a:gs pos="50000">
+              <a:schemeClr val="phClr">
+                <a:tint val="98000"/>
+                <a:satMod val="130000"/>
+                <a:shade val="90000"/>
+                <a:lumMod val="103000"/>
+              </a:schemeClr>
+            </a:gs>
+            <a:gs pos="100000">
+              <a:schemeClr val="phClr">
+                <a:shade val="63000"/>
+                <a:satMod val="120000"/>
+              </a:schemeClr>
+            </a:gs>
+          </a:gsLst>
+          <a:lin ang="5400000" scaled="0"/>
+        </a:gradFill>
+      </a:bgFillStyleLst>
+    </a:fmtScheme>
+  </a:themeElements>
+  <a:objectDefaults>
+    <a:lnDef>
+      <a:spPr/>
+      <a:bodyPr/>
+      <a:lstStyle/>
+      <a:style>
+        <a:lnRef idx="2">
+          <a:schemeClr val="accent1"/>
+        </a:lnRef>
+        <a:fillRef idx="0">
+          <a:schemeClr val="accent1"/>
+        </a:fillRef>
+        <a:effectRef idx="1">
+          <a:schemeClr val="accent1"/>
+        </a:effectRef>
+        <a:fontRef idx="minor">
+          <a:schemeClr val="tx1"/>
+        </a:fontRef>
+      </a:style>
+    </a:lnDef>
+  </a:objectDefaults>
+  <a:extraClrSchemeLst/>
+  <a:extLst>
+    <a:ext uri="{05A4C25C-085E-4340-85A3-A5531E510DB2}">
+      <thm15:themeFamily xmlns:thm15="http://schemas.microsoft.com/office/thememl/2012/main" name="Office Theme" id="{2E142A2C-CD16-42D6-873A-C26D2A0506FA}" vid="{1BDDFF52-6CD6-40A5-AB3C-68EB2F1E4D0A}"/>
+    </a:ext>
+  </a:extLst>
+</a:theme>
 </file>